--- a/administration/Sprint presentations/Presentation_Sprint_3.pptx
+++ b/administration/Sprint presentations/Presentation_Sprint_3.pptx
@@ -5,18 +5,19 @@
     <p:sldMasterId id="2147483648" r:id="rId1"/>
   </p:sldMasterIdLst>
   <p:notesMasterIdLst>
-    <p:notesMasterId r:id="rId8"/>
+    <p:notesMasterId r:id="rId9"/>
   </p:notesMasterIdLst>
   <p:handoutMasterIdLst>
-    <p:handoutMasterId r:id="rId9"/>
+    <p:handoutMasterId r:id="rId10"/>
   </p:handoutMasterIdLst>
   <p:sldIdLst>
     <p:sldId id="256" r:id="rId2"/>
     <p:sldId id="257" r:id="rId3"/>
     <p:sldId id="261" r:id="rId4"/>
-    <p:sldId id="263" r:id="rId5"/>
-    <p:sldId id="264" r:id="rId6"/>
-    <p:sldId id="262" r:id="rId7"/>
+    <p:sldId id="265" r:id="rId5"/>
+    <p:sldId id="263" r:id="rId6"/>
+    <p:sldId id="264" r:id="rId7"/>
+    <p:sldId id="262" r:id="rId8"/>
   </p:sldIdLst>
   <p:sldSz cx="9144000" cy="6858000" type="screen4x3"/>
   <p:notesSz cx="6858000" cy="9144000"/>
@@ -5500,8 +5501,20 @@
           <a:p>
             <a:r>
               <a:rPr lang="de-DE" dirty="0" smtClean="0"/>
-              <a:t>Performance Steigerung durch Indexieren von DB-Tabellen</a:t>
-            </a:r>
+              <a:t>Performance Steigerung durch </a:t>
+            </a:r>
+            <a:r>
+              <a:rPr lang="de-DE" dirty="0" smtClean="0"/>
+              <a:t>Indexieren</a:t>
+            </a:r>
+            <a:br>
+              <a:rPr lang="de-DE" dirty="0" smtClean="0"/>
+            </a:br>
+            <a:r>
+              <a:rPr lang="de-DE" dirty="0" smtClean="0"/>
+              <a:t>=&gt; DB-Performance kein Problem mehr</a:t>
+            </a:r>
+            <a:endParaRPr lang="de-DE" dirty="0" smtClean="0"/>
           </a:p>
           <a:p>
             <a:r>
@@ -5511,6 +5524,17 @@
             <a:r>
               <a:rPr lang="de-DE" dirty="0" err="1" smtClean="0"/>
               <a:t>Backlog</a:t>
+            </a:r>
+            <a:endParaRPr lang="de-DE" dirty="0" smtClean="0"/>
+          </a:p>
+          <a:p>
+            <a:r>
+              <a:rPr lang="de-DE" dirty="0" smtClean="0"/>
+              <a:t>Alle können </a:t>
+            </a:r>
+            <a:r>
+              <a:rPr lang="de-DE" dirty="0" err="1" smtClean="0"/>
+              <a:t>committen</a:t>
             </a:r>
             <a:endParaRPr lang="de-DE" dirty="0" smtClean="0"/>
           </a:p>
@@ -5575,6 +5599,13 @@
   <p:clrMapOvr>
     <a:masterClrMapping/>
   </p:clrMapOvr>
+  <p:timing>
+    <p:tnLst>
+      <p:par>
+        <p:cTn xmlns:p14="http://schemas.microsoft.com/office/powerpoint/2010/main" id="1" dur="indefinite" restart="never" nodeType="tmRoot"/>
+      </p:par>
+    </p:tnLst>
+  </p:timing>
 </p:sld>
 </file>
 
@@ -5610,31 +5641,7 @@
           <a:bodyPr/>
           <a:lstStyle/>
           <a:p>
-            <a:r>
-              <a:rPr lang="de-DE" dirty="0" smtClean="0"/>
-              <a:t>Goals </a:t>
-            </a:r>
-            <a:r>
-              <a:rPr lang="de-DE" dirty="0" err="1" smtClean="0"/>
-              <a:t>for</a:t>
-            </a:r>
-            <a:r>
-              <a:rPr lang="de-DE" dirty="0" smtClean="0"/>
-              <a:t> </a:t>
-            </a:r>
-            <a:r>
-              <a:rPr lang="de-DE" dirty="0" err="1" smtClean="0"/>
-              <a:t>next</a:t>
-            </a:r>
-            <a:r>
-              <a:rPr lang="de-DE" dirty="0" smtClean="0"/>
-              <a:t> </a:t>
-            </a:r>
-            <a:r>
-              <a:rPr lang="de-DE" dirty="0" err="1" smtClean="0"/>
-              <a:t>iteration</a:t>
-            </a:r>
-            <a:endParaRPr lang="de-DE" dirty="0"/>
+            <a:endParaRPr lang="de-DE"/>
           </a:p>
         </p:txBody>
       </p:sp>
@@ -5653,31 +5660,7 @@
           <a:bodyPr/>
           <a:lstStyle/>
           <a:p>
-            <a:r>
-              <a:rPr lang="de-DE" dirty="0" smtClean="0"/>
-              <a:t>Finish </a:t>
-            </a:r>
-            <a:r>
-              <a:rPr lang="de-DE" dirty="0" err="1" smtClean="0"/>
-              <a:t>software</a:t>
-            </a:r>
-            <a:r>
-              <a:rPr lang="de-DE" dirty="0" smtClean="0"/>
-              <a:t> =&gt; </a:t>
-            </a:r>
-            <a:r>
-              <a:rPr lang="de-DE" dirty="0" err="1" smtClean="0"/>
-              <a:t>testing</a:t>
-            </a:r>
-            <a:r>
-              <a:rPr lang="de-DE" dirty="0" smtClean="0"/>
-              <a:t> &amp; </a:t>
-            </a:r>
-            <a:r>
-              <a:rPr lang="de-DE" dirty="0" err="1" smtClean="0"/>
-              <a:t>optimization</a:t>
-            </a:r>
-            <a:endParaRPr lang="de-DE" dirty="0" smtClean="0"/>
+            <a:endParaRPr lang="de-DE"/>
           </a:p>
         </p:txBody>
       </p:sp>
@@ -5727,16 +5710,122 @@
           </a:p>
         </p:txBody>
       </p:sp>
+      <p:sp>
+        <p:nvSpPr>
+          <p:cNvPr id="6" name="Rechteck 5"/>
+          <p:cNvSpPr/>
+          <p:nvPr/>
+        </p:nvSpPr>
+        <p:spPr>
+          <a:xfrm>
+            <a:off x="-204831" y="-40965"/>
+            <a:ext cx="9531472" cy="7018441"/>
+          </a:xfrm>
+          <a:prstGeom prst="rect">
+            <a:avLst/>
+          </a:prstGeom>
+          <a:solidFill>
+            <a:srgbClr val="FF685C"/>
+          </a:solidFill>
+        </p:spPr>
+        <p:style>
+          <a:lnRef idx="1">
+            <a:schemeClr val="accent1"/>
+          </a:lnRef>
+          <a:fillRef idx="3">
+            <a:schemeClr val="accent1"/>
+          </a:fillRef>
+          <a:effectRef idx="2">
+            <a:schemeClr val="accent1"/>
+          </a:effectRef>
+          <a:fontRef idx="minor">
+            <a:schemeClr val="lt1"/>
+          </a:fontRef>
+        </p:style>
+        <p:txBody>
+          <a:bodyPr rtlCol="0" anchor="ctr"/>
+          <a:lstStyle/>
+          <a:p>
+            <a:pPr algn="ctr"/>
+            <a:endParaRPr lang="de-DE"/>
+          </a:p>
+        </p:txBody>
+      </p:sp>
+      <p:pic>
+        <p:nvPicPr>
+          <p:cNvPr id="7" name="Bild 6" descr="coins-wiki.jpg"/>
+          <p:cNvPicPr>
+            <a:picLocks noChangeAspect="1"/>
+          </p:cNvPicPr>
+          <p:nvPr/>
+        </p:nvPicPr>
+        <p:blipFill>
+          <a:blip r:embed="rId2">
+            <a:extLst>
+              <a:ext uri="{28A0092B-C50C-407E-A947-70E740481C1C}">
+                <a14:useLocalDpi xmlns:a14="http://schemas.microsoft.com/office/drawing/2010/main" val="0"/>
+              </a:ext>
+            </a:extLst>
+          </a:blip>
+          <a:stretch>
+            <a:fillRect/>
+          </a:stretch>
+        </p:blipFill>
+        <p:spPr>
+          <a:xfrm>
+            <a:off x="0" y="968693"/>
+            <a:ext cx="9144000" cy="4920615"/>
+          </a:xfrm>
+          <a:prstGeom prst="rect">
+            <a:avLst/>
+          </a:prstGeom>
+          <a:solidFill>
+            <a:srgbClr val="FFFFFF">
+              <a:shade val="85000"/>
+            </a:srgbClr>
+          </a:solidFill>
+          <a:ln w="88900" cap="sq">
+            <a:noFill/>
+            <a:miter lim="800000"/>
+          </a:ln>
+          <a:effectLst>
+            <a:outerShdw blurRad="55000" dist="18000" dir="5400000" algn="tl" rotWithShape="0">
+              <a:srgbClr val="000000">
+                <a:alpha val="40000"/>
+              </a:srgbClr>
+            </a:outerShdw>
+          </a:effectLst>
+          <a:scene3d>
+            <a:camera prst="orthographicFront"/>
+            <a:lightRig rig="twoPt" dir="t">
+              <a:rot lat="0" lon="0" rev="7200000"/>
+            </a:lightRig>
+          </a:scene3d>
+          <a:sp3d>
+            <a:bevelT w="25400" h="19050"/>
+            <a:contourClr>
+              <a:srgbClr val="FFFFFF"/>
+            </a:contourClr>
+          </a:sp3d>
+        </p:spPr>
+      </p:pic>
     </p:spTree>
     <p:extLst>
       <p:ext uri="{BB962C8B-B14F-4D97-AF65-F5344CB8AC3E}">
-        <p14:creationId xmlns:p14="http://schemas.microsoft.com/office/powerpoint/2010/main" val="2595617371"/>
+        <p14:creationId xmlns:p14="http://schemas.microsoft.com/office/powerpoint/2010/main" val="1093612419"/>
       </p:ext>
     </p:extLst>
   </p:cSld>
   <p:clrMapOvr>
     <a:masterClrMapping/>
   </p:clrMapOvr>
+  <p:timing>
+    <p:tnLst>
+      <p:par>
+        <p:cTn xmlns:p14="http://schemas.microsoft.com/office/powerpoint/2010/main" id="1" dur="indefinite" restart="never" nodeType="tmRoot"/>
+      </p:par>
+    </p:tnLst>
+  </p:timing>
 </p:sld>
 </file>
 
@@ -5769,51 +5858,144 @@
         </p:nvSpPr>
         <p:spPr/>
         <p:txBody>
-          <a:bodyPr>
-            <a:normAutofit/>
-          </a:bodyPr>
-          <a:lstStyle/>
-          <a:p>
-            <a:r>
-              <a:rPr lang="de-DE" dirty="0"/>
-              <a:t>Output from </a:t>
-            </a:r>
-            <a:r>
-              <a:rPr lang="de-DE" dirty="0" err="1"/>
-              <a:t>the</a:t>
-            </a:r>
-            <a:r>
-              <a:rPr lang="de-DE" dirty="0"/>
-              <a:t> </a:t>
-            </a:r>
-            <a:r>
-              <a:rPr lang="de-DE" dirty="0" err="1" smtClean="0"/>
-              <a:t>retrospective</a:t>
-            </a:r>
-            <a:endParaRPr lang="de-DE" dirty="0"/>
-          </a:p>
-        </p:txBody>
-      </p:sp>
-      <p:sp>
-        <p:nvSpPr>
-          <p:cNvPr id="3" name="Inhaltsplatzhalter 2"/>
-          <p:cNvSpPr>
-            <a:spLocks noGrp="1"/>
-          </p:cNvSpPr>
-          <p:nvPr>
-            <p:ph idx="1"/>
-          </p:nvPr>
-        </p:nvSpPr>
-        <p:spPr/>
-        <p:txBody>
           <a:bodyPr/>
           <a:lstStyle/>
           <a:p>
             <a:r>
+              <a:rPr lang="de-DE" dirty="0" smtClean="0"/>
+              <a:t>Goals </a:t>
+            </a:r>
+            <a:r>
               <a:rPr lang="de-DE" dirty="0" err="1" smtClean="0"/>
-              <a:t>tbd</a:t>
+              <a:t>for</a:t>
+            </a:r>
+            <a:r>
+              <a:rPr lang="de-DE" dirty="0" smtClean="0"/>
+              <a:t> </a:t>
+            </a:r>
+            <a:r>
+              <a:rPr lang="de-DE" dirty="0" err="1" smtClean="0"/>
+              <a:t>next</a:t>
+            </a:r>
+            <a:r>
+              <a:rPr lang="de-DE" dirty="0" smtClean="0"/>
+              <a:t> </a:t>
+            </a:r>
+            <a:r>
+              <a:rPr lang="de-DE" dirty="0" err="1" smtClean="0"/>
+              <a:t>iteration</a:t>
             </a:r>
             <a:endParaRPr lang="de-DE" dirty="0"/>
+          </a:p>
+        </p:txBody>
+      </p:sp>
+      <p:sp>
+        <p:nvSpPr>
+          <p:cNvPr id="3" name="Inhaltsplatzhalter 2"/>
+          <p:cNvSpPr>
+            <a:spLocks noGrp="1"/>
+          </p:cNvSpPr>
+          <p:nvPr>
+            <p:ph idx="1"/>
+          </p:nvPr>
+        </p:nvSpPr>
+        <p:spPr/>
+        <p:txBody>
+          <a:bodyPr/>
+          <a:lstStyle/>
+          <a:p>
+            <a:r>
+              <a:rPr lang="de-DE" dirty="0" smtClean="0"/>
+              <a:t>Finish </a:t>
+            </a:r>
+            <a:r>
+              <a:rPr lang="de-DE" dirty="0" err="1" smtClean="0"/>
+              <a:t>software</a:t>
+            </a:r>
+            <a:r>
+              <a:rPr lang="de-DE" dirty="0" smtClean="0"/>
+              <a:t> =&gt; </a:t>
+            </a:r>
+            <a:r>
+              <a:rPr lang="de-DE" dirty="0" err="1" smtClean="0"/>
+              <a:t>testing</a:t>
+            </a:r>
+            <a:r>
+              <a:rPr lang="de-DE" dirty="0" smtClean="0"/>
+              <a:t> &amp; </a:t>
+            </a:r>
+            <a:r>
+              <a:rPr lang="de-DE" dirty="0" err="1" smtClean="0"/>
+              <a:t>optimization</a:t>
+            </a:r>
+            <a:endParaRPr lang="de-DE" dirty="0" smtClean="0"/>
+          </a:p>
+          <a:p>
+            <a:r>
+              <a:rPr lang="de-DE" dirty="0" err="1" smtClean="0"/>
+              <a:t>Centrality</a:t>
+            </a:r>
+            <a:r>
+              <a:rPr lang="de-DE" dirty="0" smtClean="0"/>
+              <a:t> </a:t>
+            </a:r>
+            <a:r>
+              <a:rPr lang="de-DE" dirty="0" err="1" smtClean="0"/>
+              <a:t>measures</a:t>
+            </a:r>
+            <a:r>
+              <a:rPr lang="de-DE" dirty="0" smtClean="0"/>
+              <a:t> </a:t>
+            </a:r>
+            <a:r>
+              <a:rPr lang="de-DE" dirty="0" err="1" smtClean="0"/>
+              <a:t>optimization</a:t>
+            </a:r>
+            <a:endParaRPr lang="de-DE" dirty="0" smtClean="0"/>
+          </a:p>
+          <a:p>
+            <a:r>
+              <a:rPr lang="de-DE" dirty="0" err="1" smtClean="0"/>
+              <a:t>Some</a:t>
+            </a:r>
+            <a:r>
+              <a:rPr lang="de-DE" dirty="0" smtClean="0"/>
+              <a:t> GUI </a:t>
+            </a:r>
+            <a:r>
+              <a:rPr lang="de-DE" dirty="0" err="1" smtClean="0"/>
+              <a:t>optimization</a:t>
+            </a:r>
+            <a:endParaRPr lang="de-DE" dirty="0" smtClean="0"/>
+          </a:p>
+          <a:p>
+            <a:r>
+              <a:rPr lang="de-DE" dirty="0" smtClean="0"/>
+              <a:t>Performance </a:t>
+            </a:r>
+            <a:r>
+              <a:rPr lang="de-DE" dirty="0" err="1" smtClean="0"/>
+              <a:t>optimization</a:t>
+            </a:r>
+            <a:endParaRPr lang="de-DE" dirty="0" smtClean="0"/>
+          </a:p>
+          <a:p>
+            <a:r>
+              <a:rPr lang="de-DE" dirty="0" err="1" smtClean="0"/>
+              <a:t>Deployment</a:t>
+            </a:r>
+            <a:r>
+              <a:rPr lang="de-DE" dirty="0" smtClean="0"/>
+              <a:t> als </a:t>
+            </a:r>
+            <a:r>
+              <a:rPr lang="de-DE" dirty="0" err="1" smtClean="0"/>
+              <a:t>applet</a:t>
+            </a:r>
+            <a:endParaRPr lang="de-DE" dirty="0" smtClean="0"/>
+          </a:p>
+          <a:p>
+            <a:endParaRPr lang="de-DE" dirty="0" smtClean="0"/>
           </a:p>
         </p:txBody>
       </p:sp>
@@ -5866,13 +6048,20 @@
     </p:spTree>
     <p:extLst>
       <p:ext uri="{BB962C8B-B14F-4D97-AF65-F5344CB8AC3E}">
-        <p14:creationId xmlns:p14="http://schemas.microsoft.com/office/powerpoint/2010/main" val="391170540"/>
+        <p14:creationId xmlns:p14="http://schemas.microsoft.com/office/powerpoint/2010/main" val="2595617371"/>
       </p:ext>
     </p:extLst>
   </p:cSld>
   <p:clrMapOvr>
     <a:masterClrMapping/>
   </p:clrMapOvr>
+  <p:timing>
+    <p:tnLst>
+      <p:par>
+        <p:cTn xmlns:p14="http://schemas.microsoft.com/office/powerpoint/2010/main" id="1" dur="indefinite" restart="never" nodeType="tmRoot"/>
+      </p:par>
+    </p:tnLst>
+  </p:timing>
 </p:sld>
 </file>
 
@@ -5912,11 +6101,19 @@
           <a:p>
             <a:r>
               <a:rPr lang="de-DE" dirty="0"/>
-              <a:t>Problems / </a:t>
+              <a:t>Output from </a:t>
+            </a:r>
+            <a:r>
+              <a:rPr lang="de-DE" dirty="0" err="1"/>
+              <a:t>the</a:t>
+            </a:r>
+            <a:r>
+              <a:rPr lang="de-DE" dirty="0"/>
+              <a:t> </a:t>
             </a:r>
             <a:r>
               <a:rPr lang="de-DE" dirty="0" err="1" smtClean="0"/>
-              <a:t>questions</a:t>
+              <a:t>retrospective</a:t>
             </a:r>
             <a:endParaRPr lang="de-DE" dirty="0"/>
           </a:p>
@@ -5939,21 +6136,38 @@
           <a:p>
             <a:r>
               <a:rPr lang="de-DE" dirty="0" smtClean="0"/>
-              <a:t>Ab Jahr 1</a:t>
+              <a:t>Gewisser Druc</a:t>
             </a:r>
             <a:r>
               <a:rPr lang="de-DE" dirty="0" smtClean="0"/>
-              <a:t>‘000 </a:t>
+              <a:t>k nötig – ok so...</a:t>
+            </a:r>
+            <a:endParaRPr lang="de-DE" dirty="0"/>
+          </a:p>
+          <a:p>
+            <a:r>
+              <a:rPr lang="de-DE" dirty="0" smtClean="0"/>
+              <a:t>Kalenderbedienung üben</a:t>
+            </a:r>
+          </a:p>
+          <a:p>
+            <a:r>
+              <a:rPr lang="de-DE" dirty="0" smtClean="0"/>
+              <a:t>Probleme mit </a:t>
             </a:r>
             <a:r>
               <a:rPr lang="de-DE" dirty="0" err="1" smtClean="0"/>
-              <a:t>grosse</a:t>
+              <a:t>Versionierung</a:t>
             </a:r>
             <a:r>
               <a:rPr lang="de-DE" dirty="0" smtClean="0"/>
-              <a:t> Datenmengen =&gt; Probleme bei Laden &amp; Graph Darstellung</a:t>
-            </a:r>
-            <a:endParaRPr lang="de-DE" dirty="0"/>
+              <a:t> überwunden - </a:t>
+            </a:r>
+            <a:r>
+              <a:rPr lang="de-DE" dirty="0" err="1" smtClean="0"/>
+              <a:t>Yeah</a:t>
+            </a:r>
+            <a:endParaRPr lang="de-DE" dirty="0" smtClean="0"/>
           </a:p>
         </p:txBody>
       </p:sp>
@@ -5998,6 +6212,164 @@
             <a:fld id="{1B59123E-BB0C-144E-B56D-A6F32AA81FA9}" type="slidenum">
               <a:rPr lang="de-DE" smtClean="0"/>
               <a:t>6</a:t>
+            </a:fld>
+            <a:endParaRPr lang="de-DE"/>
+          </a:p>
+        </p:txBody>
+      </p:sp>
+    </p:spTree>
+    <p:extLst>
+      <p:ext uri="{BB962C8B-B14F-4D97-AF65-F5344CB8AC3E}">
+        <p14:creationId xmlns:p14="http://schemas.microsoft.com/office/powerpoint/2010/main" val="391170540"/>
+      </p:ext>
+    </p:extLst>
+  </p:cSld>
+  <p:clrMapOvr>
+    <a:masterClrMapping/>
+  </p:clrMapOvr>
+  <p:timing>
+    <p:tnLst>
+      <p:par>
+        <p:cTn xmlns:p14="http://schemas.microsoft.com/office/powerpoint/2010/main" id="1" dur="indefinite" restart="never" nodeType="tmRoot"/>
+      </p:par>
+    </p:tnLst>
+  </p:timing>
+</p:sld>
+</file>
+
+<file path=ppt/slides/slide7.xml><?xml version="1.0" encoding="utf-8"?>
+<p:sld xmlns:a="http://schemas.openxmlformats.org/drawingml/2006/main" xmlns:r="http://schemas.openxmlformats.org/officeDocument/2006/relationships" xmlns:p="http://schemas.openxmlformats.org/presentationml/2006/main">
+  <p:cSld>
+    <p:spTree>
+      <p:nvGrpSpPr>
+        <p:cNvPr id="1" name=""/>
+        <p:cNvGrpSpPr/>
+        <p:nvPr/>
+      </p:nvGrpSpPr>
+      <p:grpSpPr>
+        <a:xfrm>
+          <a:off x="0" y="0"/>
+          <a:ext cx="0" cy="0"/>
+          <a:chOff x="0" y="0"/>
+          <a:chExt cx="0" cy="0"/>
+        </a:xfrm>
+      </p:grpSpPr>
+      <p:sp>
+        <p:nvSpPr>
+          <p:cNvPr id="2" name="Titel 1"/>
+          <p:cNvSpPr>
+            <a:spLocks noGrp="1"/>
+          </p:cNvSpPr>
+          <p:nvPr>
+            <p:ph type="title"/>
+          </p:nvPr>
+        </p:nvSpPr>
+        <p:spPr/>
+        <p:txBody>
+          <a:bodyPr>
+            <a:normAutofit/>
+          </a:bodyPr>
+          <a:lstStyle/>
+          <a:p>
+            <a:r>
+              <a:rPr lang="de-DE" dirty="0"/>
+              <a:t>Problems / </a:t>
+            </a:r>
+            <a:r>
+              <a:rPr lang="de-DE" dirty="0" err="1" smtClean="0"/>
+              <a:t>questions</a:t>
+            </a:r>
+            <a:endParaRPr lang="de-DE" dirty="0"/>
+          </a:p>
+        </p:txBody>
+      </p:sp>
+      <p:sp>
+        <p:nvSpPr>
+          <p:cNvPr id="3" name="Inhaltsplatzhalter 2"/>
+          <p:cNvSpPr>
+            <a:spLocks noGrp="1"/>
+          </p:cNvSpPr>
+          <p:nvPr>
+            <p:ph idx="1"/>
+          </p:nvPr>
+        </p:nvSpPr>
+        <p:spPr/>
+        <p:txBody>
+          <a:bodyPr/>
+          <a:lstStyle/>
+          <a:p>
+            <a:r>
+              <a:rPr lang="de-DE" dirty="0" smtClean="0"/>
+              <a:t>Keine Probleme mehr</a:t>
+            </a:r>
+            <a:br>
+              <a:rPr lang="de-DE" dirty="0" smtClean="0"/>
+            </a:br>
+            <a:r>
+              <a:rPr lang="de-DE" dirty="0" smtClean="0"/>
+              <a:t>(geklärt mit P. </a:t>
+            </a:r>
+            <a:r>
+              <a:rPr lang="de-DE" dirty="0"/>
+              <a:t> </a:t>
+            </a:r>
+            <a:r>
+              <a:rPr lang="de-DE" dirty="0" err="1" smtClean="0"/>
+              <a:t>Gloor</a:t>
+            </a:r>
+            <a:r>
+              <a:rPr lang="de-DE" dirty="0" smtClean="0"/>
+              <a:t> </a:t>
+            </a:r>
+            <a:r>
+              <a:rPr lang="de-DE" dirty="0" smtClean="0"/>
+              <a:t>heute Vormittag)</a:t>
+            </a:r>
+            <a:endParaRPr lang="de-DE" dirty="0"/>
+          </a:p>
+        </p:txBody>
+      </p:sp>
+      <p:sp>
+        <p:nvSpPr>
+          <p:cNvPr id="4" name="Fußzeilenplatzhalter 3"/>
+          <p:cNvSpPr>
+            <a:spLocks noGrp="1"/>
+          </p:cNvSpPr>
+          <p:nvPr>
+            <p:ph type="ftr" sz="quarter" idx="11"/>
+          </p:nvPr>
+        </p:nvSpPr>
+        <p:spPr/>
+        <p:txBody>
+          <a:bodyPr/>
+          <a:lstStyle/>
+          <a:p>
+            <a:r>
+              <a:rPr lang="de-DE" smtClean="0"/>
+              <a:t>wikihistorybook - Statusmeeting</a:t>
+            </a:r>
+            <a:endParaRPr lang="de-DE"/>
+          </a:p>
+        </p:txBody>
+      </p:sp>
+      <p:sp>
+        <p:nvSpPr>
+          <p:cNvPr id="5" name="Foliennummernplatzhalter 4"/>
+          <p:cNvSpPr>
+            <a:spLocks noGrp="1"/>
+          </p:cNvSpPr>
+          <p:nvPr>
+            <p:ph type="sldNum" sz="quarter" idx="12"/>
+          </p:nvPr>
+        </p:nvSpPr>
+        <p:spPr/>
+        <p:txBody>
+          <a:bodyPr/>
+          <a:lstStyle/>
+          <a:p>
+            <a:fld id="{1B59123E-BB0C-144E-B56D-A6F32AA81FA9}" type="slidenum">
+              <a:rPr lang="de-DE" smtClean="0"/>
+              <a:t>7</a:t>
             </a:fld>
             <a:endParaRPr lang="de-DE"/>
           </a:p>
